--- a/mrna/mRNAseq-expDesign_May_2020.pptx
+++ b/mrna/mRNAseq-expDesign_May_2020.pptx
@@ -222,7 +222,7 @@
           <a:p>
             <a:fld id="{7440AB5D-84A9-C641-87A4-6248C0AAF646}" type="datetimeFigureOut">
               <a:rPr lang="en-US" smtClean="0"/>
-              <a:t>6/3/20</a:t>
+              <a:t>6/16/22</a:t>
             </a:fld>
             <a:endParaRPr lang="en-US"/>
           </a:p>
@@ -702,7 +702,7 @@
           <a:p>
             <a:fld id="{E35838AA-1451-D44C-A5FC-B7AF2DBB714D}" type="datetimeFigureOut">
               <a:rPr lang="en-US" smtClean="0"/>
-              <a:t>6/3/20</a:t>
+              <a:t>6/16/22</a:t>
             </a:fld>
             <a:endParaRPr lang="en-US"/>
           </a:p>
@@ -865,7 +865,7 @@
           <a:p>
             <a:fld id="{E35838AA-1451-D44C-A5FC-B7AF2DBB714D}" type="datetimeFigureOut">
               <a:rPr lang="en-US" smtClean="0"/>
-              <a:t>6/3/20</a:t>
+              <a:t>6/16/22</a:t>
             </a:fld>
             <a:endParaRPr lang="en-US"/>
           </a:p>
@@ -1038,7 +1038,7 @@
           <a:p>
             <a:fld id="{E35838AA-1451-D44C-A5FC-B7AF2DBB714D}" type="datetimeFigureOut">
               <a:rPr lang="en-US" smtClean="0"/>
-              <a:t>6/3/20</a:t>
+              <a:t>6/16/22</a:t>
             </a:fld>
             <a:endParaRPr lang="en-US"/>
           </a:p>
@@ -1201,7 +1201,7 @@
           <a:p>
             <a:fld id="{E35838AA-1451-D44C-A5FC-B7AF2DBB714D}" type="datetimeFigureOut">
               <a:rPr lang="en-US" smtClean="0"/>
-              <a:t>6/3/20</a:t>
+              <a:t>6/16/22</a:t>
             </a:fld>
             <a:endParaRPr lang="en-US"/>
           </a:p>
@@ -1441,7 +1441,7 @@
           <a:p>
             <a:fld id="{E35838AA-1451-D44C-A5FC-B7AF2DBB714D}" type="datetimeFigureOut">
               <a:rPr lang="en-US" smtClean="0"/>
-              <a:t>6/3/20</a:t>
+              <a:t>6/16/22</a:t>
             </a:fld>
             <a:endParaRPr lang="en-US"/>
           </a:p>
@@ -1665,7 +1665,7 @@
           <a:p>
             <a:fld id="{E35838AA-1451-D44C-A5FC-B7AF2DBB714D}" type="datetimeFigureOut">
               <a:rPr lang="en-US" smtClean="0"/>
-              <a:t>6/3/20</a:t>
+              <a:t>6/16/22</a:t>
             </a:fld>
             <a:endParaRPr lang="en-US"/>
           </a:p>
@@ -2024,7 +2024,7 @@
           <a:p>
             <a:fld id="{E35838AA-1451-D44C-A5FC-B7AF2DBB714D}" type="datetimeFigureOut">
               <a:rPr lang="en-US" smtClean="0"/>
-              <a:t>6/3/20</a:t>
+              <a:t>6/16/22</a:t>
             </a:fld>
             <a:endParaRPr lang="en-US"/>
           </a:p>
@@ -2136,7 +2136,7 @@
           <a:p>
             <a:fld id="{E35838AA-1451-D44C-A5FC-B7AF2DBB714D}" type="datetimeFigureOut">
               <a:rPr lang="en-US" smtClean="0"/>
-              <a:t>6/3/20</a:t>
+              <a:t>6/16/22</a:t>
             </a:fld>
             <a:endParaRPr lang="en-US"/>
           </a:p>
@@ -2226,7 +2226,7 @@
           <a:p>
             <a:fld id="{E35838AA-1451-D44C-A5FC-B7AF2DBB714D}" type="datetimeFigureOut">
               <a:rPr lang="en-US" smtClean="0"/>
-              <a:t>6/3/20</a:t>
+              <a:t>6/16/22</a:t>
             </a:fld>
             <a:endParaRPr lang="en-US"/>
           </a:p>
@@ -2496,7 +2496,7 @@
           <a:p>
             <a:fld id="{E35838AA-1451-D44C-A5FC-B7AF2DBB714D}" type="datetimeFigureOut">
               <a:rPr lang="en-US" smtClean="0"/>
-              <a:t>6/3/20</a:t>
+              <a:t>6/16/22</a:t>
             </a:fld>
             <a:endParaRPr lang="en-US"/>
           </a:p>
@@ -2746,7 +2746,7 @@
           <a:p>
             <a:fld id="{E35838AA-1451-D44C-A5FC-B7AF2DBB714D}" type="datetimeFigureOut">
               <a:rPr lang="en-US" smtClean="0"/>
-              <a:t>6/3/20</a:t>
+              <a:t>6/16/22</a:t>
             </a:fld>
             <a:endParaRPr lang="en-US"/>
           </a:p>
@@ -2953,7 +2953,7 @@
           <a:p>
             <a:fld id="{E35838AA-1451-D44C-A5FC-B7AF2DBB714D}" type="datetimeFigureOut">
               <a:rPr lang="en-US" smtClean="0"/>
-              <a:t>6/3/20</a:t>
+              <a:t>6/16/22</a:t>
             </a:fld>
             <a:endParaRPr lang="en-US"/>
           </a:p>
@@ -3513,7 +3513,7 @@
                 <a:latin typeface="Arial" charset="0"/>
                 <a:cs typeface="Arial Unicode MS" charset="0"/>
               </a:rPr>
-              <a:t>Matthew L. Settles</a:t>
+              <a:t>Genome Center Bioinformatics Core</a:t>
             </a:r>
           </a:p>
           <a:p>
@@ -3541,7 +3541,7 @@
                 <a:latin typeface="Arial" charset="0"/>
                 <a:cs typeface="Arial Unicode MS" charset="0"/>
               </a:rPr>
-              <a:t>Genome Center Bioinformatics Core</a:t>
+              <a:t>University of California, Davis</a:t>
             </a:r>
           </a:p>
           <a:p>
@@ -3568,50 +3568,7 @@
               <a:rPr lang="en-CA" dirty="0">
                 <a:latin typeface="Arial" charset="0"/>
                 <a:cs typeface="Arial Unicode MS" charset="0"/>
-              </a:rPr>
-              <a:t>University of California, Davis</a:t>
-            </a:r>
-          </a:p>
-          <a:p>
-            <a:pPr>
-              <a:spcAft>
-                <a:spcPct val="0"/>
-              </a:spcAft>
-              <a:tabLst>
-                <a:tab pos="656722" algn="l"/>
-                <a:tab pos="1313444" algn="l"/>
-                <a:tab pos="1970166" algn="l"/>
-                <a:tab pos="2626888" algn="l"/>
-                <a:tab pos="3283610" algn="l"/>
-                <a:tab pos="3940332" algn="l"/>
-                <a:tab pos="4597055" algn="l"/>
-                <a:tab pos="5253777" algn="l"/>
-                <a:tab pos="5910499" algn="l"/>
-                <a:tab pos="6567221" algn="l"/>
-                <a:tab pos="7223943" algn="l"/>
-                <a:tab pos="7880665" algn="l"/>
-              </a:tabLst>
-            </a:pPr>
-            <a:r>
-              <a:rPr lang="en-CA" dirty="0">
-                <a:latin typeface="Arial" charset="0"/>
-                <a:cs typeface="Arial Unicode MS" charset="0"/>
                 <a:hlinkClick r:id="rId3"/>
-              </a:rPr>
-              <a:t>settles@ucdavis.edu</a:t>
-            </a:r>
-            <a:r>
-              <a:rPr lang="en-CA" dirty="0">
-                <a:latin typeface="Arial" charset="0"/>
-                <a:cs typeface="Arial Unicode MS" charset="0"/>
-              </a:rPr>
-              <a:t>; </a:t>
-            </a:r>
-            <a:r>
-              <a:rPr lang="en-CA" dirty="0">
-                <a:latin typeface="Arial" charset="0"/>
-                <a:cs typeface="Arial Unicode MS" charset="0"/>
-                <a:hlinkClick r:id="rId4"/>
               </a:rPr>
               <a:t>bioinformatics.core@ucdavis.edu</a:t>
             </a:r>
@@ -5797,7 +5754,7 @@
           <a:p>
             <a:r>
               <a:rPr lang="en-US" sz="2400" dirty="0"/>
-              <a:t>Read length needed depends on likelihood of mapping uniqueness, but generally longer is better and paired-end is better than single-end. (2 x &gt;75bp is best)</a:t>
+              <a:t>Read length needed depends on likelihood of mapping uniqueness, but generally longer is better and paired-end is better than single-end.</a:t>
             </a:r>
           </a:p>
           <a:p>
@@ -6754,7 +6711,7 @@
         </p:spPr>
         <p:txBody>
           <a:bodyPr>
-            <a:normAutofit/>
+            <a:normAutofit fontScale="92500" lnSpcReduction="10000"/>
           </a:bodyPr>
           <a:lstStyle/>
           <a:p>
@@ -6834,21 +6791,40 @@
                   <a:srgbClr val="FF0000"/>
                 </a:solidFill>
               </a:rPr>
-              <a:t>What is the cost </a:t>
-            </a:r>
-            <a:r>
-              <a:rPr lang="en-US">
-                <a:solidFill>
-                  <a:srgbClr val="FF0000"/>
-                </a:solidFill>
-              </a:rPr>
-              <a:t>per sample?</a:t>
+              <a:t>What is the cost per sample?</a:t>
             </a:r>
             <a:endParaRPr lang="en-US" dirty="0"/>
           </a:p>
           <a:p>
             <a:pPr lvl="1"/>
             <a:endParaRPr lang="en-US" dirty="0"/>
+          </a:p>
+          <a:p>
+            <a:pPr marL="45720" indent="0">
+              <a:buNone/>
+            </a:pPr>
+            <a:r>
+              <a:rPr lang="en-US" sz="3400" dirty="0">
+                <a:hlinkClick r:id="rId2"/>
+              </a:rPr>
+              <a:t>http://dnatech.genomecenter.ucdavis.edu/prices/</a:t>
+            </a:r>
+            <a:r>
+              <a:rPr lang="en-US" sz="3400" dirty="0"/>
+              <a:t> </a:t>
+            </a:r>
+          </a:p>
+          <a:p>
+            <a:pPr marL="45720" indent="0">
+              <a:buNone/>
+            </a:pPr>
+            <a:r>
+              <a:rPr lang="en-US" sz="3600" dirty="0">
+                <a:hlinkClick r:id="rId3"/>
+              </a:rPr>
+              <a:t>https://bioinformatics.sf.ucdavis.edu/rates</a:t>
+            </a:r>
+            <a:endParaRPr lang="en-US" sz="3400" dirty="0"/>
           </a:p>
           <a:p>
             <a:pPr lvl="1"/>
@@ -7116,6 +7092,104 @@
                                           <p:spTgt spid="2">
                                             <p:txEl>
                                               <p:pRg st="8" end="8"/>
+                                            </p:txEl>
+                                          </p:spTgt>
+                                        </p:tgtEl>
+                                        <p:attrNameLst>
+                                          <p:attrName>style.visibility</p:attrName>
+                                        </p:attrNameLst>
+                                      </p:cBhvr>
+                                      <p:to>
+                                        <p:strVal val="visible"/>
+                                      </p:to>
+                                    </p:set>
+                                  </p:childTnLst>
+                                </p:cTn>
+                              </p:par>
+                            </p:childTnLst>
+                          </p:cTn>
+                        </p:par>
+                      </p:childTnLst>
+                    </p:cTn>
+                  </p:par>
+                  <p:par>
+                    <p:cTn id="23" fill="hold">
+                      <p:stCondLst>
+                        <p:cond delay="indefinite"/>
+                      </p:stCondLst>
+                      <p:childTnLst>
+                        <p:par>
+                          <p:cTn id="24" fill="hold">
+                            <p:stCondLst>
+                              <p:cond delay="0"/>
+                            </p:stCondLst>
+                            <p:childTnLst>
+                              <p:par>
+                                <p:cTn id="25" presetID="1" presetClass="entr" presetSubtype="0" fill="hold" grpId="0" nodeType="clickEffect">
+                                  <p:stCondLst>
+                                    <p:cond delay="0"/>
+                                  </p:stCondLst>
+                                  <p:childTnLst>
+                                    <p:set>
+                                      <p:cBhvr>
+                                        <p:cTn id="26" dur="1" fill="hold">
+                                          <p:stCondLst>
+                                            <p:cond delay="0"/>
+                                          </p:stCondLst>
+                                        </p:cTn>
+                                        <p:tgtEl>
+                                          <p:spTgt spid="2">
+                                            <p:txEl>
+                                              <p:pRg st="10" end="10"/>
+                                            </p:txEl>
+                                          </p:spTgt>
+                                        </p:tgtEl>
+                                        <p:attrNameLst>
+                                          <p:attrName>style.visibility</p:attrName>
+                                        </p:attrNameLst>
+                                      </p:cBhvr>
+                                      <p:to>
+                                        <p:strVal val="visible"/>
+                                      </p:to>
+                                    </p:set>
+                                  </p:childTnLst>
+                                </p:cTn>
+                              </p:par>
+                            </p:childTnLst>
+                          </p:cTn>
+                        </p:par>
+                      </p:childTnLst>
+                    </p:cTn>
+                  </p:par>
+                  <p:par>
+                    <p:cTn id="27" fill="hold">
+                      <p:stCondLst>
+                        <p:cond delay="indefinite"/>
+                      </p:stCondLst>
+                      <p:childTnLst>
+                        <p:par>
+                          <p:cTn id="28" fill="hold">
+                            <p:stCondLst>
+                              <p:cond delay="0"/>
+                            </p:stCondLst>
+                            <p:childTnLst>
+                              <p:par>
+                                <p:cTn id="29" presetID="1" presetClass="entr" presetSubtype="0" fill="hold" grpId="0" nodeType="clickEffect">
+                                  <p:stCondLst>
+                                    <p:cond delay="0"/>
+                                  </p:stCondLst>
+                                  <p:childTnLst>
+                                    <p:set>
+                                      <p:cBhvr>
+                                        <p:cTn id="30" dur="1" fill="hold">
+                                          <p:stCondLst>
+                                            <p:cond delay="0"/>
+                                          </p:stCondLst>
+                                        </p:cTn>
+                                        <p:tgtEl>
+                                          <p:spTgt spid="2">
+                                            <p:txEl>
+                                              <p:pRg st="11" end="11"/>
                                             </p:txEl>
                                           </p:spTgt>
                                         </p:tgtEl>
